--- a/jabbaScript - weatherapp.pptx
+++ b/jabbaScript - weatherapp.pptx
@@ -261,7 +261,7 @@
           <a:p>
             <a:fld id="{EFD63B47-1ADF-4F09-ACBF-DC751870EBD9}" type="datetimeFigureOut">
               <a:rPr lang="hu-HU" smtClean="0"/>
-              <a:t>2022. 03. 10.</a:t>
+              <a:t>2022. 03. 11.</a:t>
             </a:fld>
             <a:endParaRPr lang="hu-HU"/>
           </a:p>
@@ -431,7 +431,7 @@
           <a:p>
             <a:fld id="{EFD63B47-1ADF-4F09-ACBF-DC751870EBD9}" type="datetimeFigureOut">
               <a:rPr lang="hu-HU" smtClean="0"/>
-              <a:t>2022. 03. 10.</a:t>
+              <a:t>2022. 03. 11.</a:t>
             </a:fld>
             <a:endParaRPr lang="hu-HU"/>
           </a:p>
@@ -611,7 +611,7 @@
           <a:p>
             <a:fld id="{EFD63B47-1ADF-4F09-ACBF-DC751870EBD9}" type="datetimeFigureOut">
               <a:rPr lang="hu-HU" smtClean="0"/>
-              <a:t>2022. 03. 10.</a:t>
+              <a:t>2022. 03. 11.</a:t>
             </a:fld>
             <a:endParaRPr lang="hu-HU"/>
           </a:p>
@@ -781,7 +781,7 @@
           <a:p>
             <a:fld id="{EFD63B47-1ADF-4F09-ACBF-DC751870EBD9}" type="datetimeFigureOut">
               <a:rPr lang="hu-HU" smtClean="0"/>
-              <a:t>2022. 03. 10.</a:t>
+              <a:t>2022. 03. 11.</a:t>
             </a:fld>
             <a:endParaRPr lang="hu-HU"/>
           </a:p>
@@ -1027,7 +1027,7 @@
           <a:p>
             <a:fld id="{EFD63B47-1ADF-4F09-ACBF-DC751870EBD9}" type="datetimeFigureOut">
               <a:rPr lang="hu-HU" smtClean="0"/>
-              <a:t>2022. 03. 10.</a:t>
+              <a:t>2022. 03. 11.</a:t>
             </a:fld>
             <a:endParaRPr lang="hu-HU"/>
           </a:p>
@@ -1259,7 +1259,7 @@
           <a:p>
             <a:fld id="{EFD63B47-1ADF-4F09-ACBF-DC751870EBD9}" type="datetimeFigureOut">
               <a:rPr lang="hu-HU" smtClean="0"/>
-              <a:t>2022. 03. 10.</a:t>
+              <a:t>2022. 03. 11.</a:t>
             </a:fld>
             <a:endParaRPr lang="hu-HU"/>
           </a:p>
@@ -1626,7 +1626,7 @@
           <a:p>
             <a:fld id="{EFD63B47-1ADF-4F09-ACBF-DC751870EBD9}" type="datetimeFigureOut">
               <a:rPr lang="hu-HU" smtClean="0"/>
-              <a:t>2022. 03. 10.</a:t>
+              <a:t>2022. 03. 11.</a:t>
             </a:fld>
             <a:endParaRPr lang="hu-HU"/>
           </a:p>
@@ -1744,7 +1744,7 @@
           <a:p>
             <a:fld id="{EFD63B47-1ADF-4F09-ACBF-DC751870EBD9}" type="datetimeFigureOut">
               <a:rPr lang="hu-HU" smtClean="0"/>
-              <a:t>2022. 03. 10.</a:t>
+              <a:t>2022. 03. 11.</a:t>
             </a:fld>
             <a:endParaRPr lang="hu-HU"/>
           </a:p>
@@ -1839,7 +1839,7 @@
           <a:p>
             <a:fld id="{EFD63B47-1ADF-4F09-ACBF-DC751870EBD9}" type="datetimeFigureOut">
               <a:rPr lang="hu-HU" smtClean="0"/>
-              <a:t>2022. 03. 10.</a:t>
+              <a:t>2022. 03. 11.</a:t>
             </a:fld>
             <a:endParaRPr lang="hu-HU"/>
           </a:p>
@@ -2116,7 +2116,7 @@
           <a:p>
             <a:fld id="{EFD63B47-1ADF-4F09-ACBF-DC751870EBD9}" type="datetimeFigureOut">
               <a:rPr lang="hu-HU" smtClean="0"/>
-              <a:t>2022. 03. 10.</a:t>
+              <a:t>2022. 03. 11.</a:t>
             </a:fld>
             <a:endParaRPr lang="hu-HU"/>
           </a:p>
@@ -2369,7 +2369,7 @@
           <a:p>
             <a:fld id="{EFD63B47-1ADF-4F09-ACBF-DC751870EBD9}" type="datetimeFigureOut">
               <a:rPr lang="hu-HU" smtClean="0"/>
-              <a:t>2022. 03. 10.</a:t>
+              <a:t>2022. 03. 11.</a:t>
             </a:fld>
             <a:endParaRPr lang="hu-HU"/>
           </a:p>
@@ -2582,7 +2582,7 @@
           <a:p>
             <a:fld id="{EFD63B47-1ADF-4F09-ACBF-DC751870EBD9}" type="datetimeFigureOut">
               <a:rPr lang="hu-HU" smtClean="0"/>
-              <a:t>2022. 03. 10.</a:t>
+              <a:t>2022. 03. 11.</a:t>
             </a:fld>
             <a:endParaRPr lang="hu-HU"/>
           </a:p>
@@ -4098,138 +4098,22 @@
               <a:buChar char="•"/>
             </a:pPr>
             <a:r>
-              <a:rPr lang="hu-HU" sz="3600" dirty="0" err="1" smtClean="0"/>
-              <a:t>We</a:t>
-            </a:r>
-            <a:r>
-              <a:rPr lang="hu-HU" sz="3600" dirty="0" smtClean="0"/>
-              <a:t> had </a:t>
-            </a:r>
-            <a:r>
-              <a:rPr lang="hu-HU" sz="3600" dirty="0" err="1" smtClean="0"/>
-              <a:t>to</a:t>
-            </a:r>
-            <a:r>
-              <a:rPr lang="hu-HU" sz="3600" dirty="0" smtClean="0"/>
-              <a:t> </a:t>
-            </a:r>
-            <a:r>
-              <a:rPr lang="hu-HU" sz="3600" dirty="0" err="1" smtClean="0"/>
-              <a:t>change</a:t>
-            </a:r>
-            <a:r>
-              <a:rPr lang="hu-HU" sz="3600" dirty="0" smtClean="0"/>
-              <a:t> </a:t>
-            </a:r>
-            <a:r>
-              <a:rPr lang="hu-HU" sz="3600" dirty="0" err="1" smtClean="0"/>
-              <a:t>our</a:t>
-            </a:r>
-            <a:r>
-              <a:rPr lang="hu-HU" sz="3600" dirty="0" smtClean="0"/>
-              <a:t> </a:t>
-            </a:r>
-            <a:r>
-              <a:rPr lang="hu-HU" sz="3600" dirty="0" err="1" smtClean="0"/>
-              <a:t>plans</a:t>
-            </a:r>
-            <a:r>
-              <a:rPr lang="hu-HU" sz="3600" dirty="0" smtClean="0"/>
-              <a:t> and </a:t>
-            </a:r>
-            <a:r>
-              <a:rPr lang="hu-HU" sz="3600" dirty="0" err="1" smtClean="0"/>
-              <a:t>fetch</a:t>
-            </a:r>
-            <a:r>
-              <a:rPr lang="hu-HU" sz="3600" dirty="0" smtClean="0"/>
-              <a:t> </a:t>
-            </a:r>
-            <a:r>
-              <a:rPr lang="hu-HU" sz="3600" dirty="0" err="1" smtClean="0"/>
-              <a:t>our</a:t>
-            </a:r>
-            <a:r>
-              <a:rPr lang="hu-HU" sz="3600" dirty="0" smtClean="0"/>
-              <a:t> </a:t>
-            </a:r>
-            <a:r>
-              <a:rPr lang="hu-HU" sz="3600" dirty="0" err="1" smtClean="0"/>
-              <a:t>data</a:t>
-            </a:r>
-            <a:r>
-              <a:rPr lang="hu-HU" sz="3600" dirty="0" smtClean="0"/>
-              <a:t> </a:t>
-            </a:r>
-            <a:r>
-              <a:rPr lang="hu-HU" sz="3600" dirty="0" err="1" smtClean="0"/>
-              <a:t>from</a:t>
-            </a:r>
-            <a:r>
-              <a:rPr lang="hu-HU" sz="3600" dirty="0" smtClean="0"/>
-              <a:t> </a:t>
-            </a:r>
-            <a:r>
-              <a:rPr lang="hu-HU" sz="3600" dirty="0" err="1" smtClean="0">
+              <a:rPr lang="hu-HU" sz="3600" dirty="0" smtClean="0"/>
+              <a:t>We had to change our plans and fetch our data from </a:t>
+            </a:r>
+            <a:r>
+              <a:rPr lang="hu-HU" sz="3600" dirty="0" smtClean="0">
                 <a:hlinkClick r:id="rId2"/>
               </a:rPr>
-              <a:t>www.openweather.org</a:t>
-            </a:r>
-            <a:r>
-              <a:rPr lang="hu-HU" sz="3600" dirty="0"/>
-              <a:t> </a:t>
-            </a:r>
-            <a:r>
-              <a:rPr lang="hu-HU" sz="3600" dirty="0" smtClean="0"/>
-              <a:t>, </a:t>
-            </a:r>
-            <a:r>
-              <a:rPr lang="hu-HU" sz="3600" dirty="0" err="1" smtClean="0"/>
-              <a:t>but</a:t>
-            </a:r>
-            <a:r>
-              <a:rPr lang="hu-HU" sz="3600" dirty="0" smtClean="0"/>
-              <a:t> </a:t>
-            </a:r>
-            <a:r>
-              <a:rPr lang="hu-HU" sz="3600" dirty="0" err="1" smtClean="0"/>
-              <a:t>now</a:t>
-            </a:r>
-            <a:r>
-              <a:rPr lang="hu-HU" sz="3600" dirty="0" smtClean="0"/>
-              <a:t> </a:t>
-            </a:r>
-            <a:r>
-              <a:rPr lang="hu-HU" sz="3600" dirty="0" err="1" smtClean="0"/>
-              <a:t>it</a:t>
-            </a:r>
-            <a:r>
-              <a:rPr lang="hu-HU" sz="3600" dirty="0" smtClean="0"/>
-              <a:t> </a:t>
-            </a:r>
-            <a:r>
-              <a:rPr lang="hu-HU" sz="3600" dirty="0" err="1" smtClean="0"/>
-              <a:t>works</a:t>
-            </a:r>
-            <a:r>
-              <a:rPr lang="hu-HU" sz="3600" dirty="0" smtClean="0"/>
-              <a:t> </a:t>
-            </a:r>
-            <a:r>
-              <a:rPr lang="hu-HU" sz="3600" dirty="0" err="1" smtClean="0"/>
-              <a:t>like</a:t>
-            </a:r>
-            <a:r>
-              <a:rPr lang="hu-HU" sz="3600" dirty="0" smtClean="0"/>
-              <a:t> a </a:t>
-            </a:r>
-            <a:r>
-              <a:rPr lang="hu-HU" sz="3600" dirty="0" err="1" smtClean="0"/>
-              <a:t>charm</a:t>
-            </a:r>
-            <a:r>
-              <a:rPr lang="hu-HU" sz="3600" dirty="0" smtClean="0"/>
-              <a:t>!</a:t>
+              <a:t>www.openweathermap.org</a:t>
+            </a:r>
+            <a:r>
+              <a:rPr lang="hu-HU" sz="3600" dirty="0" smtClean="0"/>
+              <a:t> </a:t>
+            </a:r>
+            <a:r>
+              <a:rPr lang="hu-HU" sz="3600" dirty="0" smtClean="0"/>
+              <a:t>, but now it works like a charm!</a:t>
             </a:r>
             <a:endParaRPr lang="hu-HU" sz="3600" dirty="0"/>
           </a:p>
